--- a/チュートリアル_実践.pptx
+++ b/チュートリアル_実践.pptx
@@ -5151,8 +5151,8 @@
         </p:nvSpPr>
         <p:spPr>
           <a:xfrm>
-            <a:off x="1050202" y="1500534"/>
-            <a:ext cx="10782677" cy="4708981"/>
+            <a:off x="1004935" y="1500534"/>
+            <a:ext cx="10972800" cy="4678204"/>
           </a:xfrm>
           <a:prstGeom prst="rect">
             <a:avLst/>
@@ -5260,34 +5260,20 @@
           </a:p>
           <a:p>
             <a:r>
-              <a:rPr lang="en-US" altLang="ja-JP" sz="2000" dirty="0">
-                <a:latin typeface="Times New Roman" panose="02020603050405020304" pitchFamily="18" charset="0"/>
-                <a:cs typeface="Times New Roman" panose="02020603050405020304" pitchFamily="18" charset="0"/>
-              </a:rPr>
-              <a:t>	</a:t>
-            </a:r>
-            <a:r>
-              <a:rPr kumimoji="1" lang="en-US" altLang="ja-JP" sz="2000" dirty="0">
-                <a:latin typeface="Times New Roman" panose="02020603050405020304" pitchFamily="18" charset="0"/>
-                <a:cs typeface="Times New Roman" panose="02020603050405020304" pitchFamily="18" charset="0"/>
-                <a:hlinkClick r:id="rId2"/>
-              </a:rPr>
-              <a:t>https://colab.google/</a:t>
-            </a:r>
-            <a:r>
-              <a:rPr kumimoji="1" lang="ja-JP" altLang="en-US" sz="2000" dirty="0">
-                <a:latin typeface="Times New Roman" panose="02020603050405020304" pitchFamily="18" charset="0"/>
-                <a:cs typeface="Times New Roman" panose="02020603050405020304" pitchFamily="18" charset="0"/>
-              </a:rPr>
-              <a:t>　</a:t>
-            </a:r>
-            <a:endParaRPr kumimoji="1" lang="en-US" altLang="ja-JP" sz="2000" dirty="0">
+              <a:rPr lang="en-US" altLang="ja-JP" dirty="0">
+                <a:latin typeface="Times New Roman" panose="02020603050405020304" pitchFamily="18" charset="0"/>
+                <a:cs typeface="Times New Roman" panose="02020603050405020304" pitchFamily="18" charset="0"/>
+                <a:hlinkClick r:id="rId3"/>
+              </a:rPr>
+              <a:t>https://github.com/Morita1116/Machine-Learning-Workshop-on-Accelerator-and-Beam-Physics-Tutorial-Materials</a:t>
+            </a:r>
+            <a:endParaRPr lang="en-US" altLang="ja-JP" dirty="0">
               <a:latin typeface="Times New Roman" panose="02020603050405020304" pitchFamily="18" charset="0"/>
               <a:cs typeface="Times New Roman" panose="02020603050405020304" pitchFamily="18" charset="0"/>
             </a:endParaRPr>
           </a:p>
           <a:p>
-            <a:endParaRPr lang="en-US" altLang="ja-JP" sz="2000" dirty="0">
+            <a:endParaRPr kumimoji="1" lang="en-US" altLang="ja-JP" sz="2000" dirty="0">
               <a:latin typeface="Times New Roman" panose="02020603050405020304" pitchFamily="18" charset="0"/>
               <a:cs typeface="Times New Roman" panose="02020603050405020304" pitchFamily="18" charset="0"/>
             </a:endParaRPr>
@@ -5441,7 +5427,7 @@
           <p:nvPr/>
         </p:nvPicPr>
         <p:blipFill>
-          <a:blip r:embed="rId3"/>
+          <a:blip r:embed="rId4"/>
           <a:stretch>
             <a:fillRect/>
           </a:stretch>
@@ -7069,8 +7055,8 @@
           </a:p>
         </p:txBody>
       </p:sp>
-      <mc:AlternateContent xmlns:mc="http://schemas.openxmlformats.org/markup-compatibility/2006">
-        <mc:Choice xmlns:a14="http://schemas.microsoft.com/office/drawing/2010/main" Requires="a14">
+      <mc:AlternateContent xmlns:mc="http://schemas.openxmlformats.org/markup-compatibility/2006" xmlns:a14="http://schemas.microsoft.com/office/drawing/2010/main">
+        <mc:Choice Requires="a14">
           <p:sp>
             <p:nvSpPr>
               <p:cNvPr id="4" name="テキスト ボックス 3">
@@ -8202,7 +8188,7 @@
             </p:txBody>
           </p:sp>
         </mc:Choice>
-        <mc:Fallback>
+        <mc:Fallback xmlns="">
           <p:sp>
             <p:nvSpPr>
               <p:cNvPr id="4" name="テキスト ボックス 3">
